--- a/QA용 피피티.pptx
+++ b/QA용 피피티.pptx
@@ -8,9 +8,9 @@
     <p:notesMasterId r:id="rId5"/>
   </p:notesMasterIdLst>
   <p:sldIdLst>
-    <p:sldId id="278" r:id="rId2"/>
-    <p:sldId id="264" r:id="rId3"/>
-    <p:sldId id="279" r:id="rId4"/>
+    <p:sldId id="279" r:id="rId2"/>
+    <p:sldId id="278" r:id="rId3"/>
+    <p:sldId id="264" r:id="rId4"/>
   </p:sldIdLst>
   <p:sldSz cx="14630400" cy="8229600"/>
   <p:notesSz cx="8229600" cy="14630400"/>
@@ -500,6 +500,114 @@
         <p:cNvPr id="1" name="">
           <a:extLst>
             <a:ext uri="{FF2B5EF4-FFF2-40B4-BE49-F238E27FC236}">
+              <a16:creationId xmlns:a16="http://schemas.microsoft.com/office/drawing/2014/main" id="{3411B9F8-F310-160A-4E04-3C879258BEA4}"/>
+            </a:ext>
+          </a:extLst>
+        </p:cNvPr>
+        <p:cNvGrpSpPr/>
+        <p:nvPr/>
+      </p:nvGrpSpPr>
+      <p:grpSpPr>
+        <a:xfrm>
+          <a:off x="0" y="0"/>
+          <a:ext cx="0" cy="0"/>
+          <a:chOff x="0" y="0"/>
+          <a:chExt cx="0" cy="0"/>
+        </a:xfrm>
+      </p:grpSpPr>
+      <p:sp>
+        <p:nvSpPr>
+          <p:cNvPr id="2" name="Slide Image Placeholder 1">
+            <a:extLst>
+              <a:ext uri="{FF2B5EF4-FFF2-40B4-BE49-F238E27FC236}">
+                <a16:creationId xmlns:a16="http://schemas.microsoft.com/office/drawing/2014/main" id="{A94235FD-BC9E-1BBA-F82F-ACE863EBB517}"/>
+              </a:ext>
+            </a:extLst>
+          </p:cNvPr>
+          <p:cNvSpPr>
+            <a:spLocks noGrp="1" noRot="1" noChangeAspect="1"/>
+          </p:cNvSpPr>
+          <p:nvPr>
+            <p:ph type="sldImg"/>
+          </p:nvPr>
+        </p:nvSpPr>
+        <p:spPr/>
+      </p:sp>
+      <p:sp>
+        <p:nvSpPr>
+          <p:cNvPr id="3" name="Notes Placeholder 2">
+            <a:extLst>
+              <a:ext uri="{FF2B5EF4-FFF2-40B4-BE49-F238E27FC236}">
+                <a16:creationId xmlns:a16="http://schemas.microsoft.com/office/drawing/2014/main" id="{BF8891AF-3C27-CD18-1E23-B6CB83A5A05D}"/>
+              </a:ext>
+            </a:extLst>
+          </p:cNvPr>
+          <p:cNvSpPr>
+            <a:spLocks noGrp="1"/>
+          </p:cNvSpPr>
+          <p:nvPr>
+            <p:ph type="body" idx="1"/>
+          </p:nvPr>
+        </p:nvSpPr>
+        <p:spPr/>
+        <p:txBody>
+          <a:bodyPr/>
+          <a:lstStyle/>
+          <a:p>
+            <a:endParaRPr lang="en-US" dirty="0"/>
+          </a:p>
+        </p:txBody>
+      </p:sp>
+      <p:sp>
+        <p:nvSpPr>
+          <p:cNvPr id="4" name="Slide Number Placeholder 3">
+            <a:extLst>
+              <a:ext uri="{FF2B5EF4-FFF2-40B4-BE49-F238E27FC236}">
+                <a16:creationId xmlns:a16="http://schemas.microsoft.com/office/drawing/2014/main" id="{6C52CB42-8450-419D-3A5A-3F874B41E129}"/>
+              </a:ext>
+            </a:extLst>
+          </p:cNvPr>
+          <p:cNvSpPr>
+            <a:spLocks noGrp="1"/>
+          </p:cNvSpPr>
+          <p:nvPr>
+            <p:ph type="sldNum" sz="quarter" idx="10"/>
+          </p:nvPr>
+        </p:nvSpPr>
+        <p:spPr/>
+        <p:txBody>
+          <a:bodyPr/>
+          <a:lstStyle/>
+          <a:p>
+            <a:fld id="{F7021451-1387-4CA6-816F-3879F97B5CBC}" type="slidenum">
+              <a:rPr lang="en-US"/>
+              <a:t>1</a:t>
+            </a:fld>
+            <a:endParaRPr lang="en-US"/>
+          </a:p>
+        </p:txBody>
+      </p:sp>
+    </p:spTree>
+    <p:extLst>
+      <p:ext uri="{BB962C8B-B14F-4D97-AF65-F5344CB8AC3E}">
+        <p14:creationId xmlns:p14="http://schemas.microsoft.com/office/powerpoint/2010/main" val="2374649194"/>
+      </p:ext>
+    </p:extLst>
+  </p:cSld>
+  <p:clrMapOvr>
+    <a:masterClrMapping/>
+  </p:clrMapOvr>
+</p:notes>
+</file>
+
+<file path=ppt/notesSlides/notesSlide2.xml><?xml version="1.0" encoding="utf-8"?>
+<p:notes xmlns:a="http://schemas.openxmlformats.org/drawingml/2006/main" xmlns:r="http://schemas.openxmlformats.org/officeDocument/2006/relationships" xmlns:p="http://schemas.openxmlformats.org/presentationml/2006/main">
+  <p:cSld>
+    <p:spTree>
+      <p:nvGrpSpPr>
+        <p:cNvPr id="1" name="">
+          <a:extLst>
+            <a:ext uri="{FF2B5EF4-FFF2-40B4-BE49-F238E27FC236}">
               <a16:creationId xmlns:a16="http://schemas.microsoft.com/office/drawing/2014/main" id="{D6D0B288-6088-0C07-0D4D-A124C7FF7863}"/>
             </a:ext>
           </a:extLst>
@@ -581,7 +689,7 @@
           <a:p>
             <a:fld id="{F7021451-1387-4CA6-816F-3879F97B5CBC}" type="slidenum">
               <a:rPr lang="en-US"/>
-              <a:t>1</a:t>
+              <a:t>2</a:t>
             </a:fld>
             <a:endParaRPr lang="en-US"/>
           </a:p>
@@ -600,7 +708,7 @@
 </p:notes>
 </file>
 
-<file path=ppt/notesSlides/notesSlide2.xml><?xml version="1.0" encoding="utf-8"?>
+<file path=ppt/notesSlides/notesSlide3.xml><?xml version="1.0" encoding="utf-8"?>
 <p:notes xmlns:a="http://schemas.openxmlformats.org/drawingml/2006/main" xmlns:r="http://schemas.openxmlformats.org/officeDocument/2006/relationships" xmlns:p="http://schemas.openxmlformats.org/presentationml/2006/main">
   <p:cSld>
     <p:spTree>
@@ -665,7 +773,7 @@
           <a:p>
             <a:fld id="{F7021451-1387-4CA6-816F-3879F97B5CBC}" type="slidenum">
               <a:rPr lang="en-US"/>
-              <a:t>2</a:t>
+              <a:t>3</a:t>
             </a:fld>
             <a:endParaRPr lang="en-US"/>
           </a:p>
@@ -675,114 +783,6 @@
     <p:extLst>
       <p:ext uri="{BB962C8B-B14F-4D97-AF65-F5344CB8AC3E}">
         <p14:creationId xmlns:p14="http://schemas.microsoft.com/office/powerpoint/2010/main" val="1024086991"/>
-      </p:ext>
-    </p:extLst>
-  </p:cSld>
-  <p:clrMapOvr>
-    <a:masterClrMapping/>
-  </p:clrMapOvr>
-</p:notes>
-</file>
-
-<file path=ppt/notesSlides/notesSlide3.xml><?xml version="1.0" encoding="utf-8"?>
-<p:notes xmlns:a="http://schemas.openxmlformats.org/drawingml/2006/main" xmlns:r="http://schemas.openxmlformats.org/officeDocument/2006/relationships" xmlns:p="http://schemas.openxmlformats.org/presentationml/2006/main">
-  <p:cSld>
-    <p:spTree>
-      <p:nvGrpSpPr>
-        <p:cNvPr id="1" name="">
-          <a:extLst>
-            <a:ext uri="{FF2B5EF4-FFF2-40B4-BE49-F238E27FC236}">
-              <a16:creationId xmlns:a16="http://schemas.microsoft.com/office/drawing/2014/main" id="{3411B9F8-F310-160A-4E04-3C879258BEA4}"/>
-            </a:ext>
-          </a:extLst>
-        </p:cNvPr>
-        <p:cNvGrpSpPr/>
-        <p:nvPr/>
-      </p:nvGrpSpPr>
-      <p:grpSpPr>
-        <a:xfrm>
-          <a:off x="0" y="0"/>
-          <a:ext cx="0" cy="0"/>
-          <a:chOff x="0" y="0"/>
-          <a:chExt cx="0" cy="0"/>
-        </a:xfrm>
-      </p:grpSpPr>
-      <p:sp>
-        <p:nvSpPr>
-          <p:cNvPr id="2" name="Slide Image Placeholder 1">
-            <a:extLst>
-              <a:ext uri="{FF2B5EF4-FFF2-40B4-BE49-F238E27FC236}">
-                <a16:creationId xmlns:a16="http://schemas.microsoft.com/office/drawing/2014/main" id="{A94235FD-BC9E-1BBA-F82F-ACE863EBB517}"/>
-              </a:ext>
-            </a:extLst>
-          </p:cNvPr>
-          <p:cNvSpPr>
-            <a:spLocks noGrp="1" noRot="1" noChangeAspect="1"/>
-          </p:cNvSpPr>
-          <p:nvPr>
-            <p:ph type="sldImg"/>
-          </p:nvPr>
-        </p:nvSpPr>
-        <p:spPr/>
-      </p:sp>
-      <p:sp>
-        <p:nvSpPr>
-          <p:cNvPr id="3" name="Notes Placeholder 2">
-            <a:extLst>
-              <a:ext uri="{FF2B5EF4-FFF2-40B4-BE49-F238E27FC236}">
-                <a16:creationId xmlns:a16="http://schemas.microsoft.com/office/drawing/2014/main" id="{BF8891AF-3C27-CD18-1E23-B6CB83A5A05D}"/>
-              </a:ext>
-            </a:extLst>
-          </p:cNvPr>
-          <p:cNvSpPr>
-            <a:spLocks noGrp="1"/>
-          </p:cNvSpPr>
-          <p:nvPr>
-            <p:ph type="body" idx="1"/>
-          </p:nvPr>
-        </p:nvSpPr>
-        <p:spPr/>
-        <p:txBody>
-          <a:bodyPr/>
-          <a:lstStyle/>
-          <a:p>
-            <a:endParaRPr lang="en-US" dirty="0"/>
-          </a:p>
-        </p:txBody>
-      </p:sp>
-      <p:sp>
-        <p:nvSpPr>
-          <p:cNvPr id="4" name="Slide Number Placeholder 3">
-            <a:extLst>
-              <a:ext uri="{FF2B5EF4-FFF2-40B4-BE49-F238E27FC236}">
-                <a16:creationId xmlns:a16="http://schemas.microsoft.com/office/drawing/2014/main" id="{6C52CB42-8450-419D-3A5A-3F874B41E129}"/>
-              </a:ext>
-            </a:extLst>
-          </p:cNvPr>
-          <p:cNvSpPr>
-            <a:spLocks noGrp="1"/>
-          </p:cNvSpPr>
-          <p:nvPr>
-            <p:ph type="sldNum" sz="quarter" idx="10"/>
-          </p:nvPr>
-        </p:nvSpPr>
-        <p:spPr/>
-        <p:txBody>
-          <a:bodyPr/>
-          <a:lstStyle/>
-          <a:p>
-            <a:fld id="{F7021451-1387-4CA6-816F-3879F97B5CBC}" type="slidenum">
-              <a:rPr lang="en-US"/>
-              <a:t>3</a:t>
-            </a:fld>
-            <a:endParaRPr lang="en-US"/>
-          </a:p>
-        </p:txBody>
-      </p:sp>
-    </p:spTree>
-    <p:extLst>
-      <p:ext uri="{BB962C8B-B14F-4D97-AF65-F5344CB8AC3E}">
-        <p14:creationId xmlns:p14="http://schemas.microsoft.com/office/powerpoint/2010/main" val="2374649194"/>
       </p:ext>
     </p:extLst>
   </p:cSld>
@@ -2212,6 +2212,1000 @@
         <p:cNvPr id="1" name="">
           <a:extLst>
             <a:ext uri="{FF2B5EF4-FFF2-40B4-BE49-F238E27FC236}">
+              <a16:creationId xmlns:a16="http://schemas.microsoft.com/office/drawing/2014/main" id="{05C95F14-4F69-076E-2F63-79D159EB3E94}"/>
+            </a:ext>
+          </a:extLst>
+        </p:cNvPr>
+        <p:cNvGrpSpPr/>
+        <p:nvPr/>
+      </p:nvGrpSpPr>
+      <p:grpSpPr>
+        <a:xfrm>
+          <a:off x="0" y="0"/>
+          <a:ext cx="0" cy="0"/>
+          <a:chOff x="0" y="0"/>
+          <a:chExt cx="0" cy="0"/>
+        </a:xfrm>
+      </p:grpSpPr>
+      <p:sp>
+        <p:nvSpPr>
+          <p:cNvPr id="4" name="Text 1">
+            <a:extLst>
+              <a:ext uri="{FF2B5EF4-FFF2-40B4-BE49-F238E27FC236}">
+                <a16:creationId xmlns:a16="http://schemas.microsoft.com/office/drawing/2014/main" id="{6A59810F-A04C-88E9-B191-8F91DC3E2E38}"/>
+              </a:ext>
+            </a:extLst>
+          </p:cNvPr>
+          <p:cNvSpPr/>
+          <p:nvPr/>
+        </p:nvSpPr>
+        <p:spPr>
+          <a:xfrm>
+            <a:off x="6452473" y="789252"/>
+            <a:ext cx="6081951" cy="603766"/>
+          </a:xfrm>
+          <a:prstGeom prst="rect">
+            <a:avLst/>
+          </a:prstGeom>
+          <a:noFill/>
+          <a:ln/>
+        </p:spPr>
+        <p:txBody>
+          <a:bodyPr wrap="none" lIns="0" tIns="0" rIns="0" bIns="0" rtlCol="0" anchor="t"/>
+          <a:lstStyle/>
+          <a:p>
+            <a:pPr marL="0" indent="0" algn="l">
+              <a:lnSpc>
+                <a:spcPts val="4750"/>
+              </a:lnSpc>
+              <a:buNone/>
+            </a:pPr>
+            <a:r>
+              <a:rPr lang="en-US" sz="3800" dirty="0" err="1">
+                <a:solidFill>
+                  <a:srgbClr val="383838"/>
+                </a:solidFill>
+                <a:latin typeface="+mn-ea"/>
+                <a:cs typeface="Patrick Hand" pitchFamily="34" charset="-120"/>
+              </a:rPr>
+              <a:t>GameManager</a:t>
+            </a:r>
+            <a:r>
+              <a:rPr lang="en-US" sz="3800" dirty="0">
+                <a:solidFill>
+                  <a:srgbClr val="383838"/>
+                </a:solidFill>
+                <a:latin typeface="+mn-ea"/>
+                <a:cs typeface="Patrick Hand" pitchFamily="34" charset="-120"/>
+              </a:rPr>
+              <a:t> </a:t>
+            </a:r>
+            <a:r>
+              <a:rPr lang="ko-KR" altLang="en-US" sz="3800" dirty="0">
+                <a:solidFill>
+                  <a:srgbClr val="383838"/>
+                </a:solidFill>
+                <a:latin typeface="+mn-ea"/>
+                <a:cs typeface="Patrick Hand" pitchFamily="34" charset="-120"/>
+              </a:rPr>
+              <a:t>설계 변경</a:t>
+            </a:r>
+            <a:endParaRPr lang="en-US" sz="3800" dirty="0">
+              <a:latin typeface="+mn-ea"/>
+            </a:endParaRPr>
+          </a:p>
+        </p:txBody>
+      </p:sp>
+      <p:sp>
+        <p:nvSpPr>
+          <p:cNvPr id="2" name="직사각형 1">
+            <a:extLst>
+              <a:ext uri="{FF2B5EF4-FFF2-40B4-BE49-F238E27FC236}">
+                <a16:creationId xmlns:a16="http://schemas.microsoft.com/office/drawing/2014/main" id="{122555C8-ECA4-D77A-9FF6-03CAE0441D8B}"/>
+              </a:ext>
+            </a:extLst>
+          </p:cNvPr>
+          <p:cNvSpPr/>
+          <p:nvPr/>
+        </p:nvSpPr>
+        <p:spPr>
+          <a:xfrm>
+            <a:off x="12852400" y="7680960"/>
+            <a:ext cx="1696720" cy="457200"/>
+          </a:xfrm>
+          <a:prstGeom prst="rect">
+            <a:avLst/>
+          </a:prstGeom>
+          <a:solidFill>
+            <a:srgbClr val="F7F7F7"/>
+          </a:solidFill>
+          <a:ln>
+            <a:noFill/>
+          </a:ln>
+        </p:spPr>
+        <p:style>
+          <a:lnRef idx="2">
+            <a:schemeClr val="accent1">
+              <a:shade val="15000"/>
+            </a:schemeClr>
+          </a:lnRef>
+          <a:fillRef idx="1">
+            <a:schemeClr val="accent1"/>
+          </a:fillRef>
+          <a:effectRef idx="0">
+            <a:schemeClr val="accent1"/>
+          </a:effectRef>
+          <a:fontRef idx="minor">
+            <a:schemeClr val="lt1"/>
+          </a:fontRef>
+        </p:style>
+        <p:txBody>
+          <a:bodyPr anchor="ctr"/>
+          <a:lstStyle/>
+          <a:p>
+            <a:pPr lvl="0" algn="ctr">
+              <a:defRPr/>
+            </a:pPr>
+            <a:endParaRPr lang="ko-KR" altLang="en-US"/>
+          </a:p>
+        </p:txBody>
+      </p:sp>
+      <p:sp>
+        <p:nvSpPr>
+          <p:cNvPr id="15" name="Text 4">
+            <a:extLst>
+              <a:ext uri="{FF2B5EF4-FFF2-40B4-BE49-F238E27FC236}">
+                <a16:creationId xmlns:a16="http://schemas.microsoft.com/office/drawing/2014/main" id="{D891D895-3C61-E9D8-ADD3-19AEE8300DCD}"/>
+              </a:ext>
+            </a:extLst>
+          </p:cNvPr>
+          <p:cNvSpPr/>
+          <p:nvPr/>
+        </p:nvSpPr>
+        <p:spPr>
+          <a:xfrm>
+            <a:off x="6452471" y="1627867"/>
+            <a:ext cx="7970661" cy="6063852"/>
+          </a:xfrm>
+          <a:prstGeom prst="rect">
+            <a:avLst/>
+          </a:prstGeom>
+          <a:noFill/>
+          <a:ln/>
+        </p:spPr>
+        <p:txBody>
+          <a:bodyPr wrap="none" lIns="0" tIns="0" rIns="0" bIns="0" rtlCol="0" anchor="t"/>
+          <a:lstStyle/>
+          <a:p>
+            <a:pPr marL="342900" indent="-342900">
+              <a:lnSpc>
+                <a:spcPct val="200000"/>
+              </a:lnSpc>
+              <a:buSzPct val="100000"/>
+              <a:buChar char="•"/>
+            </a:pPr>
+            <a:r>
+              <a:rPr lang="ko-KR" altLang="en-US" dirty="0">
+                <a:solidFill>
+                  <a:srgbClr val="383838"/>
+                </a:solidFill>
+                <a:latin typeface="+mn-ea"/>
+                <a:cs typeface="Patrick Hand" pitchFamily="34" charset="-120"/>
+              </a:rPr>
+              <a:t>각 </a:t>
+            </a:r>
+            <a:r>
+              <a:rPr lang="ko-KR" altLang="en-US" dirty="0" err="1">
+                <a:solidFill>
+                  <a:srgbClr val="383838"/>
+                </a:solidFill>
+                <a:latin typeface="+mn-ea"/>
+                <a:cs typeface="Patrick Hand" pitchFamily="34" charset="-120"/>
+              </a:rPr>
+              <a:t>씬마다</a:t>
+            </a:r>
+            <a:r>
+              <a:rPr lang="ko-KR" altLang="en-US" dirty="0">
+                <a:solidFill>
+                  <a:srgbClr val="383838"/>
+                </a:solidFill>
+                <a:latin typeface="+mn-ea"/>
+                <a:cs typeface="Patrick Hand" pitchFamily="34" charset="-120"/>
+              </a:rPr>
+              <a:t> </a:t>
+            </a:r>
+            <a:r>
+              <a:rPr lang="en-US" altLang="ko-KR" dirty="0" err="1">
+                <a:solidFill>
+                  <a:srgbClr val="383838"/>
+                </a:solidFill>
+                <a:latin typeface="+mn-ea"/>
+                <a:cs typeface="Patrick Hand" pitchFamily="34" charset="-120"/>
+              </a:rPr>
+              <a:t>GameManager</a:t>
+            </a:r>
+            <a:r>
+              <a:rPr lang="ko-KR" altLang="en-US" dirty="0">
+                <a:solidFill>
+                  <a:srgbClr val="383838"/>
+                </a:solidFill>
+                <a:latin typeface="+mn-ea"/>
+                <a:cs typeface="Patrick Hand" pitchFamily="34" charset="-120"/>
+              </a:rPr>
+              <a:t>가 존재하며</a:t>
+            </a:r>
+            <a:r>
+              <a:rPr lang="en-US" altLang="ko-KR" dirty="0">
+                <a:solidFill>
+                  <a:srgbClr val="383838"/>
+                </a:solidFill>
+                <a:latin typeface="+mn-ea"/>
+                <a:cs typeface="Patrick Hand" pitchFamily="34" charset="-120"/>
+              </a:rPr>
+              <a:t>, </a:t>
+            </a:r>
+            <a:r>
+              <a:rPr lang="ko-KR" altLang="en-US" dirty="0">
+                <a:solidFill>
+                  <a:srgbClr val="383838"/>
+                </a:solidFill>
+                <a:latin typeface="+mn-ea"/>
+                <a:cs typeface="Patrick Hand" pitchFamily="34" charset="-120"/>
+              </a:rPr>
+              <a:t>세부 설정 값이 서로 다름</a:t>
+            </a:r>
+            <a:endParaRPr lang="en-US" altLang="ko-KR" dirty="0">
+              <a:solidFill>
+                <a:srgbClr val="383838"/>
+              </a:solidFill>
+              <a:latin typeface="+mn-ea"/>
+              <a:cs typeface="Patrick Hand" pitchFamily="34" charset="-120"/>
+            </a:endParaRPr>
+          </a:p>
+          <a:p>
+            <a:pPr marL="342900" indent="-342900">
+              <a:lnSpc>
+                <a:spcPct val="200000"/>
+              </a:lnSpc>
+              <a:buSzPct val="100000"/>
+              <a:buChar char="•"/>
+            </a:pPr>
+            <a:r>
+              <a:rPr lang="ko-KR" altLang="en-US" dirty="0">
+                <a:solidFill>
+                  <a:srgbClr val="383838"/>
+                </a:solidFill>
+                <a:latin typeface="+mn-ea"/>
+                <a:cs typeface="Patrick Hand" pitchFamily="34" charset="-120"/>
+              </a:rPr>
+              <a:t>기존 설계</a:t>
+            </a:r>
+            <a:r>
+              <a:rPr lang="en-US" altLang="ko-KR" dirty="0">
+                <a:solidFill>
+                  <a:srgbClr val="383838"/>
+                </a:solidFill>
+                <a:latin typeface="+mn-ea"/>
+                <a:cs typeface="Patrick Hand" pitchFamily="34" charset="-120"/>
+              </a:rPr>
+              <a:t>:</a:t>
+            </a:r>
+            <a:br>
+              <a:rPr lang="en-US" altLang="ko-KR" dirty="0">
+                <a:solidFill>
+                  <a:srgbClr val="383838"/>
+                </a:solidFill>
+                <a:latin typeface="+mn-ea"/>
+                <a:cs typeface="Patrick Hand" pitchFamily="34" charset="-120"/>
+              </a:rPr>
+            </a:br>
+            <a:r>
+              <a:rPr lang="ko-KR" altLang="en-US" dirty="0">
+                <a:solidFill>
+                  <a:srgbClr val="383838"/>
+                </a:solidFill>
+                <a:latin typeface="+mn-ea"/>
+                <a:cs typeface="Patrick Hand" pitchFamily="34" charset="-120"/>
+              </a:rPr>
+              <a:t>→</a:t>
+            </a:r>
+            <a:r>
+              <a:rPr lang="en-US" altLang="ko-KR" dirty="0">
+                <a:solidFill>
+                  <a:srgbClr val="383838"/>
+                </a:solidFill>
+                <a:latin typeface="+mn-ea"/>
+                <a:cs typeface="Patrick Hand" pitchFamily="34" charset="-120"/>
+              </a:rPr>
+              <a:t> </a:t>
+            </a:r>
+            <a:r>
+              <a:rPr lang="en-US" altLang="ko-KR" dirty="0" err="1">
+                <a:solidFill>
+                  <a:srgbClr val="383838"/>
+                </a:solidFill>
+                <a:latin typeface="+mn-ea"/>
+                <a:cs typeface="Patrick Hand" pitchFamily="34" charset="-120"/>
+              </a:rPr>
+              <a:t>GameManger</a:t>
+            </a:r>
+            <a:r>
+              <a:rPr lang="ko-KR" altLang="en-US" dirty="0">
+                <a:solidFill>
+                  <a:srgbClr val="383838"/>
+                </a:solidFill>
+                <a:latin typeface="+mn-ea"/>
+                <a:cs typeface="Patrick Hand" pitchFamily="34" charset="-120"/>
+              </a:rPr>
+              <a:t>를 </a:t>
+            </a:r>
+            <a:r>
+              <a:rPr lang="ko-KR" altLang="en-US" dirty="0" err="1">
+                <a:solidFill>
+                  <a:srgbClr val="383838"/>
+                </a:solidFill>
+                <a:latin typeface="+mn-ea"/>
+                <a:cs typeface="Patrick Hand" pitchFamily="34" charset="-120"/>
+              </a:rPr>
+              <a:t>싱글턴으로</a:t>
+            </a:r>
+            <a:r>
+              <a:rPr lang="ko-KR" altLang="en-US" dirty="0">
+                <a:solidFill>
+                  <a:srgbClr val="383838"/>
+                </a:solidFill>
+                <a:latin typeface="+mn-ea"/>
+                <a:cs typeface="Patrick Hand" pitchFamily="34" charset="-120"/>
+              </a:rPr>
+              <a:t> 구현</a:t>
+            </a:r>
+            <a:br>
+              <a:rPr lang="en-US" altLang="ko-KR" dirty="0">
+                <a:solidFill>
+                  <a:srgbClr val="383838"/>
+                </a:solidFill>
+                <a:latin typeface="+mn-ea"/>
+                <a:cs typeface="Patrick Hand" pitchFamily="34" charset="-120"/>
+              </a:rPr>
+            </a:br>
+            <a:r>
+              <a:rPr lang="ko-KR" altLang="en-US" dirty="0">
+                <a:solidFill>
+                  <a:srgbClr val="383838"/>
+                </a:solidFill>
+                <a:latin typeface="+mn-ea"/>
+                <a:cs typeface="Patrick Hand" pitchFamily="34" charset="-120"/>
+              </a:rPr>
+              <a:t>→ 씬 전환 시</a:t>
+            </a:r>
+            <a:r>
+              <a:rPr lang="en-US" altLang="ko-KR" dirty="0">
+                <a:solidFill>
+                  <a:srgbClr val="383838"/>
+                </a:solidFill>
+                <a:latin typeface="+mn-ea"/>
+                <a:cs typeface="Patrick Hand" pitchFamily="34" charset="-120"/>
+              </a:rPr>
+              <a:t>,</a:t>
+            </a:r>
+            <a:r>
+              <a:rPr lang="ko-KR" altLang="en-US" dirty="0">
+                <a:solidFill>
+                  <a:srgbClr val="383838"/>
+                </a:solidFill>
+                <a:latin typeface="+mn-ea"/>
+                <a:cs typeface="Patrick Hand" pitchFamily="34" charset="-120"/>
+              </a:rPr>
+              <a:t> 기존 </a:t>
+            </a:r>
+            <a:r>
+              <a:rPr lang="en-US" altLang="ko-KR" dirty="0" err="1">
+                <a:solidFill>
+                  <a:srgbClr val="383838"/>
+                </a:solidFill>
+                <a:latin typeface="+mn-ea"/>
+                <a:cs typeface="Patrick Hand" pitchFamily="34" charset="-120"/>
+              </a:rPr>
+              <a:t>GameManager</a:t>
+            </a:r>
+            <a:r>
+              <a:rPr lang="en-US" altLang="ko-KR" dirty="0">
+                <a:solidFill>
+                  <a:srgbClr val="383838"/>
+                </a:solidFill>
+                <a:latin typeface="+mn-ea"/>
+                <a:cs typeface="Patrick Hand" pitchFamily="34" charset="-120"/>
+              </a:rPr>
+              <a:t> </a:t>
+            </a:r>
+            <a:r>
+              <a:rPr lang="ko-KR" altLang="en-US" dirty="0">
+                <a:solidFill>
+                  <a:srgbClr val="383838"/>
+                </a:solidFill>
+                <a:latin typeface="+mn-ea"/>
+                <a:cs typeface="Patrick Hand" pitchFamily="34" charset="-120"/>
+              </a:rPr>
+              <a:t>삭제</a:t>
+            </a:r>
+            <a:br>
+              <a:rPr lang="en-US" altLang="ko-KR" dirty="0">
+                <a:solidFill>
+                  <a:srgbClr val="383838"/>
+                </a:solidFill>
+                <a:latin typeface="+mn-ea"/>
+                <a:cs typeface="Patrick Hand" pitchFamily="34" charset="-120"/>
+              </a:rPr>
+            </a:br>
+            <a:r>
+              <a:rPr lang="ko-KR" altLang="en-US" dirty="0">
+                <a:solidFill>
+                  <a:srgbClr val="383838"/>
+                </a:solidFill>
+                <a:latin typeface="+mn-ea"/>
+                <a:cs typeface="Patrick Hand" pitchFamily="34" charset="-120"/>
+              </a:rPr>
+              <a:t>→ 새 </a:t>
+            </a:r>
+            <a:r>
+              <a:rPr lang="ko-KR" altLang="en-US" dirty="0" err="1">
+                <a:solidFill>
+                  <a:srgbClr val="383838"/>
+                </a:solidFill>
+                <a:latin typeface="+mn-ea"/>
+                <a:cs typeface="Patrick Hand" pitchFamily="34" charset="-120"/>
+              </a:rPr>
+              <a:t>씬의</a:t>
+            </a:r>
+            <a:r>
+              <a:rPr lang="ko-KR" altLang="en-US" dirty="0">
+                <a:solidFill>
+                  <a:srgbClr val="383838"/>
+                </a:solidFill>
+                <a:latin typeface="+mn-ea"/>
+                <a:cs typeface="Patrick Hand" pitchFamily="34" charset="-120"/>
+              </a:rPr>
+              <a:t> </a:t>
+            </a:r>
+            <a:r>
+              <a:rPr lang="en-US" altLang="ko-KR" dirty="0" err="1">
+                <a:solidFill>
+                  <a:srgbClr val="383838"/>
+                </a:solidFill>
+                <a:latin typeface="+mn-ea"/>
+                <a:cs typeface="Patrick Hand" pitchFamily="34" charset="-120"/>
+              </a:rPr>
+              <a:t>GameManager</a:t>
+            </a:r>
+            <a:r>
+              <a:rPr lang="ko-KR" altLang="en-US" dirty="0">
+                <a:solidFill>
+                  <a:srgbClr val="383838"/>
+                </a:solidFill>
+                <a:latin typeface="+mn-ea"/>
+                <a:cs typeface="Patrick Hand" pitchFamily="34" charset="-120"/>
+              </a:rPr>
+              <a:t>로 교체하여</a:t>
+            </a:r>
+            <a:r>
+              <a:rPr lang="en-US" altLang="ko-KR" dirty="0">
+                <a:solidFill>
+                  <a:srgbClr val="383838"/>
+                </a:solidFill>
+                <a:latin typeface="+mn-ea"/>
+                <a:cs typeface="Patrick Hand" pitchFamily="34" charset="-120"/>
+              </a:rPr>
+              <a:t>, </a:t>
+            </a:r>
+            <a:r>
+              <a:rPr lang="ko-KR" altLang="en-US" dirty="0">
+                <a:solidFill>
+                  <a:srgbClr val="383838"/>
+                </a:solidFill>
+                <a:latin typeface="+mn-ea"/>
+                <a:cs typeface="Patrick Hand" pitchFamily="34" charset="-120"/>
+              </a:rPr>
+              <a:t>하나의 인스턴스만 유지</a:t>
+            </a:r>
+            <a:endParaRPr lang="en-US" altLang="ko-KR" dirty="0">
+              <a:solidFill>
+                <a:srgbClr val="383838"/>
+              </a:solidFill>
+              <a:latin typeface="+mn-ea"/>
+              <a:cs typeface="Patrick Hand" pitchFamily="34" charset="-120"/>
+            </a:endParaRPr>
+          </a:p>
+          <a:p>
+            <a:pPr marL="342900" indent="-342900">
+              <a:lnSpc>
+                <a:spcPct val="200000"/>
+              </a:lnSpc>
+              <a:buSzPct val="100000"/>
+              <a:buChar char="•"/>
+            </a:pPr>
+            <a:r>
+              <a:rPr lang="ko-KR" altLang="en-US" dirty="0">
+                <a:solidFill>
+                  <a:srgbClr val="383838"/>
+                </a:solidFill>
+                <a:latin typeface="+mn-ea"/>
+                <a:cs typeface="Patrick Hand" pitchFamily="34" charset="-120"/>
+              </a:rPr>
+              <a:t>문제 발생</a:t>
+            </a:r>
+            <a:r>
+              <a:rPr lang="en-US" altLang="ko-KR" dirty="0">
+                <a:solidFill>
+                  <a:srgbClr val="383838"/>
+                </a:solidFill>
+                <a:latin typeface="+mn-ea"/>
+                <a:cs typeface="Patrick Hand" pitchFamily="34" charset="-120"/>
+              </a:rPr>
+              <a:t>:</a:t>
+            </a:r>
+            <a:br>
+              <a:rPr lang="en-US" altLang="ko-KR" dirty="0">
+                <a:solidFill>
+                  <a:srgbClr val="383838"/>
+                </a:solidFill>
+                <a:latin typeface="+mn-ea"/>
+                <a:cs typeface="Patrick Hand" pitchFamily="34" charset="-120"/>
+              </a:rPr>
+            </a:br>
+            <a:r>
+              <a:rPr lang="ko-KR" altLang="en-US" dirty="0">
+                <a:solidFill>
+                  <a:srgbClr val="383838"/>
+                </a:solidFill>
+                <a:latin typeface="+mn-ea"/>
+                <a:cs typeface="Patrick Hand" pitchFamily="34" charset="-120"/>
+              </a:rPr>
+              <a:t>→ </a:t>
+            </a:r>
+            <a:r>
+              <a:rPr lang="en-US" altLang="ko-KR" dirty="0" err="1">
+                <a:solidFill>
+                  <a:srgbClr val="383838"/>
+                </a:solidFill>
+                <a:latin typeface="+mn-ea"/>
+                <a:cs typeface="Patrick Hand" pitchFamily="34" charset="-120"/>
+              </a:rPr>
+              <a:t>GameManager</a:t>
+            </a:r>
+            <a:r>
+              <a:rPr lang="en-US" altLang="ko-KR" dirty="0">
+                <a:solidFill>
+                  <a:srgbClr val="383838"/>
+                </a:solidFill>
+                <a:latin typeface="+mn-ea"/>
+                <a:cs typeface="Patrick Hand" pitchFamily="34" charset="-120"/>
+              </a:rPr>
+              <a:t> </a:t>
+            </a:r>
+            <a:r>
+              <a:rPr lang="ko-KR" altLang="en-US" dirty="0">
+                <a:solidFill>
+                  <a:srgbClr val="383838"/>
+                </a:solidFill>
+                <a:latin typeface="+mn-ea"/>
+                <a:cs typeface="Patrick Hand" pitchFamily="34" charset="-120"/>
+              </a:rPr>
+              <a:t>내부에 포함된 </a:t>
+            </a:r>
+            <a:r>
+              <a:rPr lang="en-US" altLang="ko-KR" dirty="0">
+                <a:solidFill>
+                  <a:srgbClr val="383838"/>
+                </a:solidFill>
+                <a:latin typeface="+mn-ea"/>
+                <a:cs typeface="Patrick Hand" pitchFamily="34" charset="-120"/>
+              </a:rPr>
+              <a:t>BGM</a:t>
+            </a:r>
+            <a:r>
+              <a:rPr lang="ko-KR" altLang="en-US" dirty="0">
+                <a:solidFill>
+                  <a:srgbClr val="383838"/>
+                </a:solidFill>
+                <a:latin typeface="+mn-ea"/>
+                <a:cs typeface="Patrick Hand" pitchFamily="34" charset="-120"/>
+              </a:rPr>
+              <a:t>이 씬 전환 시 끊어지는 현상 발생</a:t>
+            </a:r>
+            <a:endParaRPr lang="en-US" altLang="ko-KR" dirty="0">
+              <a:solidFill>
+                <a:srgbClr val="383838"/>
+              </a:solidFill>
+              <a:latin typeface="+mn-ea"/>
+              <a:cs typeface="Patrick Hand" pitchFamily="34" charset="-120"/>
+            </a:endParaRPr>
+          </a:p>
+          <a:p>
+            <a:pPr marL="342900" indent="-342900">
+              <a:lnSpc>
+                <a:spcPct val="200000"/>
+              </a:lnSpc>
+              <a:buSzPct val="100000"/>
+              <a:buChar char="•"/>
+            </a:pPr>
+            <a:r>
+              <a:rPr lang="ko-KR" altLang="en-US" dirty="0">
+                <a:solidFill>
+                  <a:srgbClr val="383838"/>
+                </a:solidFill>
+                <a:latin typeface="+mn-ea"/>
+                <a:cs typeface="Patrick Hand" pitchFamily="34" charset="-120"/>
+              </a:rPr>
+              <a:t>해결 방법</a:t>
+            </a:r>
+            <a:r>
+              <a:rPr lang="en-US" altLang="ko-KR" dirty="0">
+                <a:solidFill>
+                  <a:srgbClr val="383838"/>
+                </a:solidFill>
+                <a:latin typeface="+mn-ea"/>
+                <a:cs typeface="Patrick Hand" pitchFamily="34" charset="-120"/>
+              </a:rPr>
+              <a:t>:</a:t>
+            </a:r>
+            <a:br>
+              <a:rPr lang="en-US" altLang="ko-KR" dirty="0">
+                <a:solidFill>
+                  <a:srgbClr val="383838"/>
+                </a:solidFill>
+                <a:latin typeface="+mn-ea"/>
+                <a:cs typeface="Patrick Hand" pitchFamily="34" charset="-120"/>
+              </a:rPr>
+            </a:br>
+            <a:r>
+              <a:rPr lang="ko-KR" altLang="en-US" dirty="0">
+                <a:solidFill>
+                  <a:srgbClr val="383838"/>
+                </a:solidFill>
+                <a:latin typeface="+mn-ea"/>
+                <a:cs typeface="Patrick Hand" pitchFamily="34" charset="-120"/>
+              </a:rPr>
+              <a:t>→ </a:t>
+            </a:r>
+            <a:r>
+              <a:rPr lang="en-US" altLang="ko-KR" dirty="0" err="1">
+                <a:solidFill>
+                  <a:srgbClr val="383838"/>
+                </a:solidFill>
+                <a:latin typeface="+mn-ea"/>
+                <a:cs typeface="Patrick Hand" pitchFamily="34" charset="-120"/>
+              </a:rPr>
+              <a:t>GameManager</a:t>
+            </a:r>
+            <a:r>
+              <a:rPr lang="en-US" altLang="ko-KR" dirty="0">
+                <a:solidFill>
+                  <a:srgbClr val="383838"/>
+                </a:solidFill>
+                <a:latin typeface="+mn-ea"/>
+                <a:cs typeface="Patrick Hand" pitchFamily="34" charset="-120"/>
+              </a:rPr>
+              <a:t> </a:t>
+            </a:r>
+            <a:r>
+              <a:rPr lang="ko-KR" altLang="en-US" dirty="0">
+                <a:solidFill>
+                  <a:srgbClr val="383838"/>
+                </a:solidFill>
+                <a:latin typeface="+mn-ea"/>
+                <a:cs typeface="Patrick Hand" pitchFamily="34" charset="-120"/>
+              </a:rPr>
+              <a:t>최초 생성 시</a:t>
+            </a:r>
+            <a:r>
+              <a:rPr lang="en-US" altLang="ko-KR" dirty="0">
+                <a:solidFill>
+                  <a:srgbClr val="383838"/>
+                </a:solidFill>
+                <a:latin typeface="+mn-ea"/>
+                <a:cs typeface="Patrick Hand" pitchFamily="34" charset="-120"/>
+              </a:rPr>
+              <a:t>, </a:t>
+            </a:r>
+            <a:r>
+              <a:rPr lang="en-US" altLang="ko-KR" dirty="0" err="1">
+                <a:latin typeface="+mn-ea"/>
+              </a:rPr>
+              <a:t>DontDestroyOnLoad</a:t>
+            </a:r>
+            <a:r>
+              <a:rPr lang="ko-KR" altLang="en-US" dirty="0">
+                <a:latin typeface="+mn-ea"/>
+              </a:rPr>
+              <a:t>로 지정</a:t>
+            </a:r>
+            <a:br>
+              <a:rPr lang="en-US" altLang="ko-KR" dirty="0">
+                <a:solidFill>
+                  <a:srgbClr val="383838"/>
+                </a:solidFill>
+                <a:latin typeface="+mn-ea"/>
+                <a:cs typeface="Patrick Hand" pitchFamily="34" charset="-120"/>
+              </a:rPr>
+            </a:br>
+            <a:r>
+              <a:rPr lang="ko-KR" altLang="en-US" dirty="0">
+                <a:solidFill>
+                  <a:srgbClr val="383838"/>
+                </a:solidFill>
+                <a:latin typeface="+mn-ea"/>
+                <a:cs typeface="Patrick Hand" pitchFamily="34" charset="-120"/>
+              </a:rPr>
+              <a:t>→ </a:t>
+            </a:r>
+            <a:r>
+              <a:rPr lang="ko-KR" altLang="en-US" dirty="0"/>
+              <a:t>새 </a:t>
+            </a:r>
+            <a:r>
+              <a:rPr lang="ko-KR" altLang="en-US" dirty="0" err="1"/>
+              <a:t>씬에서</a:t>
+            </a:r>
+            <a:r>
+              <a:rPr lang="ko-KR" altLang="en-US" dirty="0"/>
+              <a:t> 생성된 </a:t>
+            </a:r>
+            <a:r>
+              <a:rPr lang="en-US" altLang="ko-KR" dirty="0" err="1"/>
+              <a:t>GameManager</a:t>
+            </a:r>
+            <a:r>
+              <a:rPr lang="ko-KR" altLang="en-US" dirty="0"/>
+              <a:t>의 설정 값을</a:t>
+            </a:r>
+            <a:br>
+              <a:rPr lang="en-US" altLang="ko-KR" dirty="0"/>
+            </a:br>
+            <a:r>
+              <a:rPr lang="ko-KR" altLang="en-US" dirty="0">
+                <a:solidFill>
+                  <a:srgbClr val="383838"/>
+                </a:solidFill>
+                <a:latin typeface="+mn-ea"/>
+              </a:rPr>
+              <a:t>　</a:t>
+            </a:r>
+            <a:r>
+              <a:rPr lang="ko-KR" altLang="en-US" dirty="0">
+                <a:solidFill>
+                  <a:srgbClr val="383838"/>
+                </a:solidFill>
+                <a:latin typeface="+mn-ea"/>
+                <a:cs typeface="Patrick Hand" pitchFamily="34" charset="-120"/>
+              </a:rPr>
+              <a:t> </a:t>
+            </a:r>
+            <a:r>
+              <a:rPr lang="ko-KR" altLang="en-US" dirty="0"/>
+              <a:t>기존 </a:t>
+            </a:r>
+            <a:r>
+              <a:rPr lang="en-US" altLang="ko-KR" dirty="0" err="1"/>
+              <a:t>GameManager</a:t>
+            </a:r>
+            <a:r>
+              <a:rPr lang="ko-KR" altLang="en-US" dirty="0"/>
+              <a:t>에 복사한 후</a:t>
+            </a:r>
+            <a:r>
+              <a:rPr lang="en-US" altLang="ko-KR" dirty="0"/>
+              <a:t>, </a:t>
+            </a:r>
+            <a:r>
+              <a:rPr lang="ko-KR" altLang="en-US" dirty="0"/>
+              <a:t>새 </a:t>
+            </a:r>
+            <a:r>
+              <a:rPr lang="en-US" altLang="ko-KR" dirty="0" err="1"/>
+              <a:t>GameManager</a:t>
+            </a:r>
+            <a:r>
+              <a:rPr lang="ko-KR" altLang="en-US" dirty="0"/>
+              <a:t>는 삭제</a:t>
+            </a:r>
+            <a:br>
+              <a:rPr lang="en-US" altLang="ko-KR" dirty="0">
+                <a:solidFill>
+                  <a:srgbClr val="383838"/>
+                </a:solidFill>
+                <a:latin typeface="+mn-ea"/>
+                <a:cs typeface="Patrick Hand" pitchFamily="34" charset="-120"/>
+              </a:rPr>
+            </a:br>
+            <a:r>
+              <a:rPr lang="ko-KR" altLang="en-US" dirty="0">
+                <a:solidFill>
+                  <a:srgbClr val="383838"/>
+                </a:solidFill>
+                <a:latin typeface="+mn-ea"/>
+                <a:cs typeface="Patrick Hand" pitchFamily="34" charset="-120"/>
+              </a:rPr>
+              <a:t>　 </a:t>
+            </a:r>
+            <a:endParaRPr lang="en-US" altLang="ko-KR" dirty="0">
+              <a:solidFill>
+                <a:srgbClr val="383838"/>
+              </a:solidFill>
+              <a:latin typeface="+mn-ea"/>
+              <a:cs typeface="Patrick Hand" pitchFamily="34" charset="-120"/>
+            </a:endParaRPr>
+          </a:p>
+          <a:p>
+            <a:pPr marL="342900" indent="-342900" algn="l">
+              <a:lnSpc>
+                <a:spcPct val="200000"/>
+              </a:lnSpc>
+              <a:buSzPct val="100000"/>
+              <a:buChar char="•"/>
+            </a:pPr>
+            <a:endParaRPr lang="en-US" dirty="0">
+              <a:latin typeface="+mn-ea"/>
+            </a:endParaRPr>
+          </a:p>
+        </p:txBody>
+      </p:sp>
+      <p:pic>
+        <p:nvPicPr>
+          <p:cNvPr id="5" name="그림 4" descr="블랙, 어둠이(가) 표시된 사진&#10;&#10;AI 생성 콘텐츠는 정확하지 않을 수 있습니다.">
+            <a:extLst>
+              <a:ext uri="{FF2B5EF4-FFF2-40B4-BE49-F238E27FC236}">
+                <a16:creationId xmlns:a16="http://schemas.microsoft.com/office/drawing/2014/main" id="{F4D157C2-8B94-960B-9B71-FFDCD4AFF2BF}"/>
+              </a:ext>
+            </a:extLst>
+          </p:cNvPr>
+          <p:cNvPicPr>
+            <a:picLocks noChangeAspect="1"/>
+          </p:cNvPicPr>
+          <p:nvPr/>
+        </p:nvPicPr>
+        <p:blipFill>
+          <a:blip r:embed="rId3"/>
+          <a:stretch>
+            <a:fillRect/>
+          </a:stretch>
+        </p:blipFill>
+        <p:spPr>
+          <a:xfrm>
+            <a:off x="207267" y="2065858"/>
+            <a:ext cx="6081269" cy="4396416"/>
+          </a:xfrm>
+          <a:prstGeom prst="rect">
+            <a:avLst/>
+          </a:prstGeom>
+        </p:spPr>
+      </p:pic>
+    </p:spTree>
+    <p:extLst>
+      <p:ext uri="{BB962C8B-B14F-4D97-AF65-F5344CB8AC3E}">
+        <p14:creationId xmlns:p14="http://schemas.microsoft.com/office/powerpoint/2010/main" val="3641272992"/>
+      </p:ext>
+    </p:extLst>
+  </p:cSld>
+  <p:clrMapOvr>
+    <a:masterClrMapping/>
+  </p:clrMapOvr>
+  <p:timing>
+    <p:tnLst>
+      <p:par>
+        <p:cTn id="1" dur="indefinite" restart="never" nodeType="tmRoot">
+          <p:childTnLst>
+            <p:seq concurrent="1" nextAc="seek">
+              <p:cTn id="2" dur="indefinite" nodeType="mainSeq">
+                <p:childTnLst>
+                  <p:par>
+                    <p:cTn id="3" fill="hold">
+                      <p:stCondLst>
+                        <p:cond delay="indefinite"/>
+                      </p:stCondLst>
+                      <p:childTnLst>
+                        <p:par>
+                          <p:cTn id="4" fill="hold">
+                            <p:stCondLst>
+                              <p:cond delay="0"/>
+                            </p:stCondLst>
+                            <p:childTnLst>
+                              <p:par>
+                                <p:cTn id="5" presetID="1" presetClass="entr" presetSubtype="0" fill="hold" grpId="0" nodeType="clickEffect">
+                                  <p:stCondLst>
+                                    <p:cond delay="0"/>
+                                  </p:stCondLst>
+                                  <p:childTnLst>
+                                    <p:set>
+                                      <p:cBhvr>
+                                        <p:cTn id="6" dur="1" fill="hold">
+                                          <p:stCondLst>
+                                            <p:cond delay="0"/>
+                                          </p:stCondLst>
+                                        </p:cTn>
+                                        <p:tgtEl>
+                                          <p:spTgt spid="4"/>
+                                        </p:tgtEl>
+                                        <p:attrNameLst>
+                                          <p:attrName>style.visibility</p:attrName>
+                                        </p:attrNameLst>
+                                      </p:cBhvr>
+                                      <p:to>
+                                        <p:strVal val="visible"/>
+                                      </p:to>
+                                    </p:set>
+                                  </p:childTnLst>
+                                </p:cTn>
+                              </p:par>
+                              <p:par>
+                                <p:cTn id="7" presetID="1" presetClass="entr" presetSubtype="0" fill="hold" grpId="0" nodeType="withEffect">
+                                  <p:stCondLst>
+                                    <p:cond delay="0"/>
+                                  </p:stCondLst>
+                                  <p:childTnLst>
+                                    <p:set>
+                                      <p:cBhvr>
+                                        <p:cTn id="8" dur="1" fill="hold">
+                                          <p:stCondLst>
+                                            <p:cond delay="0"/>
+                                          </p:stCondLst>
+                                        </p:cTn>
+                                        <p:tgtEl>
+                                          <p:spTgt spid="15"/>
+                                        </p:tgtEl>
+                                        <p:attrNameLst>
+                                          <p:attrName>style.visibility</p:attrName>
+                                        </p:attrNameLst>
+                                      </p:cBhvr>
+                                      <p:to>
+                                        <p:strVal val="visible"/>
+                                      </p:to>
+                                    </p:set>
+                                  </p:childTnLst>
+                                </p:cTn>
+                              </p:par>
+                            </p:childTnLst>
+                          </p:cTn>
+                        </p:par>
+                      </p:childTnLst>
+                    </p:cTn>
+                  </p:par>
+                </p:childTnLst>
+              </p:cTn>
+              <p:prevCondLst>
+                <p:cond evt="onPrev" delay="0">
+                  <p:tgtEl>
+                    <p:sldTgt/>
+                  </p:tgtEl>
+                </p:cond>
+              </p:prevCondLst>
+              <p:nextCondLst>
+                <p:cond evt="onNext" delay="0">
+                  <p:tgtEl>
+                    <p:sldTgt/>
+                  </p:tgtEl>
+                </p:cond>
+              </p:nextCondLst>
+            </p:seq>
+          </p:childTnLst>
+        </p:cTn>
+      </p:par>
+    </p:tnLst>
+    <p:bldLst>
+      <p:bldP spid="4" grpId="0" animBg="1"/>
+      <p:bldP spid="15" grpId="0" animBg="1"/>
+    </p:bldLst>
+  </p:timing>
+</p:sld>
+</file>
+
+<file path=ppt/slides/slide2.xml><?xml version="1.0" encoding="utf-8"?>
+<p:sld xmlns:a="http://schemas.openxmlformats.org/drawingml/2006/main" xmlns:r="http://schemas.openxmlformats.org/officeDocument/2006/relationships" xmlns:p="http://schemas.openxmlformats.org/presentationml/2006/main">
+  <p:cSld>
+    <p:spTree>
+      <p:nvGrpSpPr>
+        <p:cNvPr id="1" name="">
+          <a:extLst>
+            <a:ext uri="{FF2B5EF4-FFF2-40B4-BE49-F238E27FC236}">
               <a16:creationId xmlns:a16="http://schemas.microsoft.com/office/drawing/2014/main" id="{FDEE474C-D7A5-E2C5-89BB-F10A19943D6D}"/>
             </a:ext>
           </a:extLst>
@@ -3072,7 +4066,7 @@
 </p:sld>
 </file>
 
-<file path=ppt/slides/slide2.xml><?xml version="1.0" encoding="utf-8"?>
+<file path=ppt/slides/slide3.xml><?xml version="1.0" encoding="utf-8"?>
 <p:sld xmlns:a="http://schemas.openxmlformats.org/drawingml/2006/main" xmlns:r="http://schemas.openxmlformats.org/officeDocument/2006/relationships" xmlns:p="http://schemas.openxmlformats.org/presentationml/2006/main">
   <p:cSld name="Slide 9">
     <p:spTree>
@@ -4841,1000 +5835,6 @@
       <p:bldP spid="10" grpId="0" animBg="1"/>
       <p:bldP spid="11" grpId="0" animBg="1"/>
       <p:bldP spid="12" grpId="0" animBg="1"/>
-    </p:bldLst>
-  </p:timing>
-</p:sld>
-</file>
-
-<file path=ppt/slides/slide3.xml><?xml version="1.0" encoding="utf-8"?>
-<p:sld xmlns:a="http://schemas.openxmlformats.org/drawingml/2006/main" xmlns:r="http://schemas.openxmlformats.org/officeDocument/2006/relationships" xmlns:p="http://schemas.openxmlformats.org/presentationml/2006/main">
-  <p:cSld>
-    <p:spTree>
-      <p:nvGrpSpPr>
-        <p:cNvPr id="1" name="">
-          <a:extLst>
-            <a:ext uri="{FF2B5EF4-FFF2-40B4-BE49-F238E27FC236}">
-              <a16:creationId xmlns:a16="http://schemas.microsoft.com/office/drawing/2014/main" id="{05C95F14-4F69-076E-2F63-79D159EB3E94}"/>
-            </a:ext>
-          </a:extLst>
-        </p:cNvPr>
-        <p:cNvGrpSpPr/>
-        <p:nvPr/>
-      </p:nvGrpSpPr>
-      <p:grpSpPr>
-        <a:xfrm>
-          <a:off x="0" y="0"/>
-          <a:ext cx="0" cy="0"/>
-          <a:chOff x="0" y="0"/>
-          <a:chExt cx="0" cy="0"/>
-        </a:xfrm>
-      </p:grpSpPr>
-      <p:sp>
-        <p:nvSpPr>
-          <p:cNvPr id="4" name="Text 1">
-            <a:extLst>
-              <a:ext uri="{FF2B5EF4-FFF2-40B4-BE49-F238E27FC236}">
-                <a16:creationId xmlns:a16="http://schemas.microsoft.com/office/drawing/2014/main" id="{6A59810F-A04C-88E9-B191-8F91DC3E2E38}"/>
-              </a:ext>
-            </a:extLst>
-          </p:cNvPr>
-          <p:cNvSpPr/>
-          <p:nvPr/>
-        </p:nvSpPr>
-        <p:spPr>
-          <a:xfrm>
-            <a:off x="6452473" y="789252"/>
-            <a:ext cx="6081951" cy="603766"/>
-          </a:xfrm>
-          <a:prstGeom prst="rect">
-            <a:avLst/>
-          </a:prstGeom>
-          <a:noFill/>
-          <a:ln/>
-        </p:spPr>
-        <p:txBody>
-          <a:bodyPr wrap="none" lIns="0" tIns="0" rIns="0" bIns="0" rtlCol="0" anchor="t"/>
-          <a:lstStyle/>
-          <a:p>
-            <a:pPr marL="0" indent="0" algn="l">
-              <a:lnSpc>
-                <a:spcPts val="4750"/>
-              </a:lnSpc>
-              <a:buNone/>
-            </a:pPr>
-            <a:r>
-              <a:rPr lang="en-US" sz="3800" dirty="0" err="1">
-                <a:solidFill>
-                  <a:srgbClr val="383838"/>
-                </a:solidFill>
-                <a:latin typeface="+mn-ea"/>
-                <a:cs typeface="Patrick Hand" pitchFamily="34" charset="-120"/>
-              </a:rPr>
-              <a:t>GameManager</a:t>
-            </a:r>
-            <a:r>
-              <a:rPr lang="en-US" sz="3800" dirty="0">
-                <a:solidFill>
-                  <a:srgbClr val="383838"/>
-                </a:solidFill>
-                <a:latin typeface="+mn-ea"/>
-                <a:cs typeface="Patrick Hand" pitchFamily="34" charset="-120"/>
-              </a:rPr>
-              <a:t> </a:t>
-            </a:r>
-            <a:r>
-              <a:rPr lang="ko-KR" altLang="en-US" sz="3800" dirty="0">
-                <a:solidFill>
-                  <a:srgbClr val="383838"/>
-                </a:solidFill>
-                <a:latin typeface="+mn-ea"/>
-                <a:cs typeface="Patrick Hand" pitchFamily="34" charset="-120"/>
-              </a:rPr>
-              <a:t>설계 변경</a:t>
-            </a:r>
-            <a:endParaRPr lang="en-US" sz="3800" dirty="0">
-              <a:latin typeface="+mn-ea"/>
-            </a:endParaRPr>
-          </a:p>
-        </p:txBody>
-      </p:sp>
-      <p:sp>
-        <p:nvSpPr>
-          <p:cNvPr id="2" name="직사각형 1">
-            <a:extLst>
-              <a:ext uri="{FF2B5EF4-FFF2-40B4-BE49-F238E27FC236}">
-                <a16:creationId xmlns:a16="http://schemas.microsoft.com/office/drawing/2014/main" id="{122555C8-ECA4-D77A-9FF6-03CAE0441D8B}"/>
-              </a:ext>
-            </a:extLst>
-          </p:cNvPr>
-          <p:cNvSpPr/>
-          <p:nvPr/>
-        </p:nvSpPr>
-        <p:spPr>
-          <a:xfrm>
-            <a:off x="12852400" y="7680960"/>
-            <a:ext cx="1696720" cy="457200"/>
-          </a:xfrm>
-          <a:prstGeom prst="rect">
-            <a:avLst/>
-          </a:prstGeom>
-          <a:solidFill>
-            <a:srgbClr val="F7F7F7"/>
-          </a:solidFill>
-          <a:ln>
-            <a:noFill/>
-          </a:ln>
-        </p:spPr>
-        <p:style>
-          <a:lnRef idx="2">
-            <a:schemeClr val="accent1">
-              <a:shade val="15000"/>
-            </a:schemeClr>
-          </a:lnRef>
-          <a:fillRef idx="1">
-            <a:schemeClr val="accent1"/>
-          </a:fillRef>
-          <a:effectRef idx="0">
-            <a:schemeClr val="accent1"/>
-          </a:effectRef>
-          <a:fontRef idx="minor">
-            <a:schemeClr val="lt1"/>
-          </a:fontRef>
-        </p:style>
-        <p:txBody>
-          <a:bodyPr anchor="ctr"/>
-          <a:lstStyle/>
-          <a:p>
-            <a:pPr lvl="0" algn="ctr">
-              <a:defRPr/>
-            </a:pPr>
-            <a:endParaRPr lang="ko-KR" altLang="en-US"/>
-          </a:p>
-        </p:txBody>
-      </p:sp>
-      <p:sp>
-        <p:nvSpPr>
-          <p:cNvPr id="15" name="Text 4">
-            <a:extLst>
-              <a:ext uri="{FF2B5EF4-FFF2-40B4-BE49-F238E27FC236}">
-                <a16:creationId xmlns:a16="http://schemas.microsoft.com/office/drawing/2014/main" id="{D891D895-3C61-E9D8-ADD3-19AEE8300DCD}"/>
-              </a:ext>
-            </a:extLst>
-          </p:cNvPr>
-          <p:cNvSpPr/>
-          <p:nvPr/>
-        </p:nvSpPr>
-        <p:spPr>
-          <a:xfrm>
-            <a:off x="6452471" y="1627867"/>
-            <a:ext cx="7970661" cy="6063852"/>
-          </a:xfrm>
-          <a:prstGeom prst="rect">
-            <a:avLst/>
-          </a:prstGeom>
-          <a:noFill/>
-          <a:ln/>
-        </p:spPr>
-        <p:txBody>
-          <a:bodyPr wrap="none" lIns="0" tIns="0" rIns="0" bIns="0" rtlCol="0" anchor="t"/>
-          <a:lstStyle/>
-          <a:p>
-            <a:pPr marL="342900" indent="-342900">
-              <a:lnSpc>
-                <a:spcPct val="200000"/>
-              </a:lnSpc>
-              <a:buSzPct val="100000"/>
-              <a:buChar char="•"/>
-            </a:pPr>
-            <a:r>
-              <a:rPr lang="ko-KR" altLang="en-US" dirty="0">
-                <a:solidFill>
-                  <a:srgbClr val="383838"/>
-                </a:solidFill>
-                <a:latin typeface="+mn-ea"/>
-                <a:cs typeface="Patrick Hand" pitchFamily="34" charset="-120"/>
-              </a:rPr>
-              <a:t>각 </a:t>
-            </a:r>
-            <a:r>
-              <a:rPr lang="ko-KR" altLang="en-US" dirty="0" err="1">
-                <a:solidFill>
-                  <a:srgbClr val="383838"/>
-                </a:solidFill>
-                <a:latin typeface="+mn-ea"/>
-                <a:cs typeface="Patrick Hand" pitchFamily="34" charset="-120"/>
-              </a:rPr>
-              <a:t>씬마다</a:t>
-            </a:r>
-            <a:r>
-              <a:rPr lang="ko-KR" altLang="en-US" dirty="0">
-                <a:solidFill>
-                  <a:srgbClr val="383838"/>
-                </a:solidFill>
-                <a:latin typeface="+mn-ea"/>
-                <a:cs typeface="Patrick Hand" pitchFamily="34" charset="-120"/>
-              </a:rPr>
-              <a:t> </a:t>
-            </a:r>
-            <a:r>
-              <a:rPr lang="en-US" altLang="ko-KR" dirty="0" err="1">
-                <a:solidFill>
-                  <a:srgbClr val="383838"/>
-                </a:solidFill>
-                <a:latin typeface="+mn-ea"/>
-                <a:cs typeface="Patrick Hand" pitchFamily="34" charset="-120"/>
-              </a:rPr>
-              <a:t>GameManager</a:t>
-            </a:r>
-            <a:r>
-              <a:rPr lang="ko-KR" altLang="en-US" dirty="0">
-                <a:solidFill>
-                  <a:srgbClr val="383838"/>
-                </a:solidFill>
-                <a:latin typeface="+mn-ea"/>
-                <a:cs typeface="Patrick Hand" pitchFamily="34" charset="-120"/>
-              </a:rPr>
-              <a:t>가 존재하며</a:t>
-            </a:r>
-            <a:r>
-              <a:rPr lang="en-US" altLang="ko-KR" dirty="0">
-                <a:solidFill>
-                  <a:srgbClr val="383838"/>
-                </a:solidFill>
-                <a:latin typeface="+mn-ea"/>
-                <a:cs typeface="Patrick Hand" pitchFamily="34" charset="-120"/>
-              </a:rPr>
-              <a:t>, </a:t>
-            </a:r>
-            <a:r>
-              <a:rPr lang="ko-KR" altLang="en-US" dirty="0">
-                <a:solidFill>
-                  <a:srgbClr val="383838"/>
-                </a:solidFill>
-                <a:latin typeface="+mn-ea"/>
-                <a:cs typeface="Patrick Hand" pitchFamily="34" charset="-120"/>
-              </a:rPr>
-              <a:t>세부 설정 값이 서로 다름</a:t>
-            </a:r>
-            <a:endParaRPr lang="en-US" altLang="ko-KR" dirty="0">
-              <a:solidFill>
-                <a:srgbClr val="383838"/>
-              </a:solidFill>
-              <a:latin typeface="+mn-ea"/>
-              <a:cs typeface="Patrick Hand" pitchFamily="34" charset="-120"/>
-            </a:endParaRPr>
-          </a:p>
-          <a:p>
-            <a:pPr marL="342900" indent="-342900">
-              <a:lnSpc>
-                <a:spcPct val="200000"/>
-              </a:lnSpc>
-              <a:buSzPct val="100000"/>
-              <a:buChar char="•"/>
-            </a:pPr>
-            <a:r>
-              <a:rPr lang="ko-KR" altLang="en-US" dirty="0">
-                <a:solidFill>
-                  <a:srgbClr val="383838"/>
-                </a:solidFill>
-                <a:latin typeface="+mn-ea"/>
-                <a:cs typeface="Patrick Hand" pitchFamily="34" charset="-120"/>
-              </a:rPr>
-              <a:t>기존 설계</a:t>
-            </a:r>
-            <a:r>
-              <a:rPr lang="en-US" altLang="ko-KR" dirty="0">
-                <a:solidFill>
-                  <a:srgbClr val="383838"/>
-                </a:solidFill>
-                <a:latin typeface="+mn-ea"/>
-                <a:cs typeface="Patrick Hand" pitchFamily="34" charset="-120"/>
-              </a:rPr>
-              <a:t>:</a:t>
-            </a:r>
-            <a:br>
-              <a:rPr lang="en-US" altLang="ko-KR" dirty="0">
-                <a:solidFill>
-                  <a:srgbClr val="383838"/>
-                </a:solidFill>
-                <a:latin typeface="+mn-ea"/>
-                <a:cs typeface="Patrick Hand" pitchFamily="34" charset="-120"/>
-              </a:rPr>
-            </a:br>
-            <a:r>
-              <a:rPr lang="ko-KR" altLang="en-US" dirty="0">
-                <a:solidFill>
-                  <a:srgbClr val="383838"/>
-                </a:solidFill>
-                <a:latin typeface="+mn-ea"/>
-                <a:cs typeface="Patrick Hand" pitchFamily="34" charset="-120"/>
-              </a:rPr>
-              <a:t>→</a:t>
-            </a:r>
-            <a:r>
-              <a:rPr lang="en-US" altLang="ko-KR" dirty="0">
-                <a:solidFill>
-                  <a:srgbClr val="383838"/>
-                </a:solidFill>
-                <a:latin typeface="+mn-ea"/>
-                <a:cs typeface="Patrick Hand" pitchFamily="34" charset="-120"/>
-              </a:rPr>
-              <a:t> </a:t>
-            </a:r>
-            <a:r>
-              <a:rPr lang="en-US" altLang="ko-KR" dirty="0" err="1">
-                <a:solidFill>
-                  <a:srgbClr val="383838"/>
-                </a:solidFill>
-                <a:latin typeface="+mn-ea"/>
-                <a:cs typeface="Patrick Hand" pitchFamily="34" charset="-120"/>
-              </a:rPr>
-              <a:t>GameManger</a:t>
-            </a:r>
-            <a:r>
-              <a:rPr lang="ko-KR" altLang="en-US" dirty="0">
-                <a:solidFill>
-                  <a:srgbClr val="383838"/>
-                </a:solidFill>
-                <a:latin typeface="+mn-ea"/>
-                <a:cs typeface="Patrick Hand" pitchFamily="34" charset="-120"/>
-              </a:rPr>
-              <a:t>를 </a:t>
-            </a:r>
-            <a:r>
-              <a:rPr lang="ko-KR" altLang="en-US" dirty="0" err="1">
-                <a:solidFill>
-                  <a:srgbClr val="383838"/>
-                </a:solidFill>
-                <a:latin typeface="+mn-ea"/>
-                <a:cs typeface="Patrick Hand" pitchFamily="34" charset="-120"/>
-              </a:rPr>
-              <a:t>싱글턴으로</a:t>
-            </a:r>
-            <a:r>
-              <a:rPr lang="ko-KR" altLang="en-US" dirty="0">
-                <a:solidFill>
-                  <a:srgbClr val="383838"/>
-                </a:solidFill>
-                <a:latin typeface="+mn-ea"/>
-                <a:cs typeface="Patrick Hand" pitchFamily="34" charset="-120"/>
-              </a:rPr>
-              <a:t> 구현</a:t>
-            </a:r>
-            <a:br>
-              <a:rPr lang="en-US" altLang="ko-KR" dirty="0">
-                <a:solidFill>
-                  <a:srgbClr val="383838"/>
-                </a:solidFill>
-                <a:latin typeface="+mn-ea"/>
-                <a:cs typeface="Patrick Hand" pitchFamily="34" charset="-120"/>
-              </a:rPr>
-            </a:br>
-            <a:r>
-              <a:rPr lang="ko-KR" altLang="en-US" dirty="0">
-                <a:solidFill>
-                  <a:srgbClr val="383838"/>
-                </a:solidFill>
-                <a:latin typeface="+mn-ea"/>
-                <a:cs typeface="Patrick Hand" pitchFamily="34" charset="-120"/>
-              </a:rPr>
-              <a:t>→ 씬 전환 시</a:t>
-            </a:r>
-            <a:r>
-              <a:rPr lang="en-US" altLang="ko-KR" dirty="0">
-                <a:solidFill>
-                  <a:srgbClr val="383838"/>
-                </a:solidFill>
-                <a:latin typeface="+mn-ea"/>
-                <a:cs typeface="Patrick Hand" pitchFamily="34" charset="-120"/>
-              </a:rPr>
-              <a:t>,</a:t>
-            </a:r>
-            <a:r>
-              <a:rPr lang="ko-KR" altLang="en-US" dirty="0">
-                <a:solidFill>
-                  <a:srgbClr val="383838"/>
-                </a:solidFill>
-                <a:latin typeface="+mn-ea"/>
-                <a:cs typeface="Patrick Hand" pitchFamily="34" charset="-120"/>
-              </a:rPr>
-              <a:t> 기존 </a:t>
-            </a:r>
-            <a:r>
-              <a:rPr lang="en-US" altLang="ko-KR" dirty="0" err="1">
-                <a:solidFill>
-                  <a:srgbClr val="383838"/>
-                </a:solidFill>
-                <a:latin typeface="+mn-ea"/>
-                <a:cs typeface="Patrick Hand" pitchFamily="34" charset="-120"/>
-              </a:rPr>
-              <a:t>GameManager</a:t>
-            </a:r>
-            <a:r>
-              <a:rPr lang="en-US" altLang="ko-KR" dirty="0">
-                <a:solidFill>
-                  <a:srgbClr val="383838"/>
-                </a:solidFill>
-                <a:latin typeface="+mn-ea"/>
-                <a:cs typeface="Patrick Hand" pitchFamily="34" charset="-120"/>
-              </a:rPr>
-              <a:t> </a:t>
-            </a:r>
-            <a:r>
-              <a:rPr lang="ko-KR" altLang="en-US" dirty="0">
-                <a:solidFill>
-                  <a:srgbClr val="383838"/>
-                </a:solidFill>
-                <a:latin typeface="+mn-ea"/>
-                <a:cs typeface="Patrick Hand" pitchFamily="34" charset="-120"/>
-              </a:rPr>
-              <a:t>삭제</a:t>
-            </a:r>
-            <a:br>
-              <a:rPr lang="en-US" altLang="ko-KR" dirty="0">
-                <a:solidFill>
-                  <a:srgbClr val="383838"/>
-                </a:solidFill>
-                <a:latin typeface="+mn-ea"/>
-                <a:cs typeface="Patrick Hand" pitchFamily="34" charset="-120"/>
-              </a:rPr>
-            </a:br>
-            <a:r>
-              <a:rPr lang="ko-KR" altLang="en-US" dirty="0">
-                <a:solidFill>
-                  <a:srgbClr val="383838"/>
-                </a:solidFill>
-                <a:latin typeface="+mn-ea"/>
-                <a:cs typeface="Patrick Hand" pitchFamily="34" charset="-120"/>
-              </a:rPr>
-              <a:t>→ 새 </a:t>
-            </a:r>
-            <a:r>
-              <a:rPr lang="ko-KR" altLang="en-US" dirty="0" err="1">
-                <a:solidFill>
-                  <a:srgbClr val="383838"/>
-                </a:solidFill>
-                <a:latin typeface="+mn-ea"/>
-                <a:cs typeface="Patrick Hand" pitchFamily="34" charset="-120"/>
-              </a:rPr>
-              <a:t>씬의</a:t>
-            </a:r>
-            <a:r>
-              <a:rPr lang="ko-KR" altLang="en-US" dirty="0">
-                <a:solidFill>
-                  <a:srgbClr val="383838"/>
-                </a:solidFill>
-                <a:latin typeface="+mn-ea"/>
-                <a:cs typeface="Patrick Hand" pitchFamily="34" charset="-120"/>
-              </a:rPr>
-              <a:t> </a:t>
-            </a:r>
-            <a:r>
-              <a:rPr lang="en-US" altLang="ko-KR" dirty="0" err="1">
-                <a:solidFill>
-                  <a:srgbClr val="383838"/>
-                </a:solidFill>
-                <a:latin typeface="+mn-ea"/>
-                <a:cs typeface="Patrick Hand" pitchFamily="34" charset="-120"/>
-              </a:rPr>
-              <a:t>GameManager</a:t>
-            </a:r>
-            <a:r>
-              <a:rPr lang="ko-KR" altLang="en-US" dirty="0">
-                <a:solidFill>
-                  <a:srgbClr val="383838"/>
-                </a:solidFill>
-                <a:latin typeface="+mn-ea"/>
-                <a:cs typeface="Patrick Hand" pitchFamily="34" charset="-120"/>
-              </a:rPr>
-              <a:t>로 교체하여</a:t>
-            </a:r>
-            <a:r>
-              <a:rPr lang="en-US" altLang="ko-KR" dirty="0">
-                <a:solidFill>
-                  <a:srgbClr val="383838"/>
-                </a:solidFill>
-                <a:latin typeface="+mn-ea"/>
-                <a:cs typeface="Patrick Hand" pitchFamily="34" charset="-120"/>
-              </a:rPr>
-              <a:t>, </a:t>
-            </a:r>
-            <a:r>
-              <a:rPr lang="ko-KR" altLang="en-US" dirty="0">
-                <a:solidFill>
-                  <a:srgbClr val="383838"/>
-                </a:solidFill>
-                <a:latin typeface="+mn-ea"/>
-                <a:cs typeface="Patrick Hand" pitchFamily="34" charset="-120"/>
-              </a:rPr>
-              <a:t>하나의 인스턴스만 유지</a:t>
-            </a:r>
-            <a:endParaRPr lang="en-US" altLang="ko-KR" dirty="0">
-              <a:solidFill>
-                <a:srgbClr val="383838"/>
-              </a:solidFill>
-              <a:latin typeface="+mn-ea"/>
-              <a:cs typeface="Patrick Hand" pitchFamily="34" charset="-120"/>
-            </a:endParaRPr>
-          </a:p>
-          <a:p>
-            <a:pPr marL="342900" indent="-342900">
-              <a:lnSpc>
-                <a:spcPct val="200000"/>
-              </a:lnSpc>
-              <a:buSzPct val="100000"/>
-              <a:buChar char="•"/>
-            </a:pPr>
-            <a:r>
-              <a:rPr lang="ko-KR" altLang="en-US" dirty="0">
-                <a:solidFill>
-                  <a:srgbClr val="383838"/>
-                </a:solidFill>
-                <a:latin typeface="+mn-ea"/>
-                <a:cs typeface="Patrick Hand" pitchFamily="34" charset="-120"/>
-              </a:rPr>
-              <a:t>문제 발생</a:t>
-            </a:r>
-            <a:r>
-              <a:rPr lang="en-US" altLang="ko-KR" dirty="0">
-                <a:solidFill>
-                  <a:srgbClr val="383838"/>
-                </a:solidFill>
-                <a:latin typeface="+mn-ea"/>
-                <a:cs typeface="Patrick Hand" pitchFamily="34" charset="-120"/>
-              </a:rPr>
-              <a:t>:</a:t>
-            </a:r>
-            <a:br>
-              <a:rPr lang="en-US" altLang="ko-KR" dirty="0">
-                <a:solidFill>
-                  <a:srgbClr val="383838"/>
-                </a:solidFill>
-                <a:latin typeface="+mn-ea"/>
-                <a:cs typeface="Patrick Hand" pitchFamily="34" charset="-120"/>
-              </a:rPr>
-            </a:br>
-            <a:r>
-              <a:rPr lang="ko-KR" altLang="en-US" dirty="0">
-                <a:solidFill>
-                  <a:srgbClr val="383838"/>
-                </a:solidFill>
-                <a:latin typeface="+mn-ea"/>
-                <a:cs typeface="Patrick Hand" pitchFamily="34" charset="-120"/>
-              </a:rPr>
-              <a:t>→ </a:t>
-            </a:r>
-            <a:r>
-              <a:rPr lang="en-US" altLang="ko-KR" dirty="0" err="1">
-                <a:solidFill>
-                  <a:srgbClr val="383838"/>
-                </a:solidFill>
-                <a:latin typeface="+mn-ea"/>
-                <a:cs typeface="Patrick Hand" pitchFamily="34" charset="-120"/>
-              </a:rPr>
-              <a:t>GameManager</a:t>
-            </a:r>
-            <a:r>
-              <a:rPr lang="en-US" altLang="ko-KR" dirty="0">
-                <a:solidFill>
-                  <a:srgbClr val="383838"/>
-                </a:solidFill>
-                <a:latin typeface="+mn-ea"/>
-                <a:cs typeface="Patrick Hand" pitchFamily="34" charset="-120"/>
-              </a:rPr>
-              <a:t> </a:t>
-            </a:r>
-            <a:r>
-              <a:rPr lang="ko-KR" altLang="en-US" dirty="0">
-                <a:solidFill>
-                  <a:srgbClr val="383838"/>
-                </a:solidFill>
-                <a:latin typeface="+mn-ea"/>
-                <a:cs typeface="Patrick Hand" pitchFamily="34" charset="-120"/>
-              </a:rPr>
-              <a:t>내부에 포함된 </a:t>
-            </a:r>
-            <a:r>
-              <a:rPr lang="en-US" altLang="ko-KR" dirty="0">
-                <a:solidFill>
-                  <a:srgbClr val="383838"/>
-                </a:solidFill>
-                <a:latin typeface="+mn-ea"/>
-                <a:cs typeface="Patrick Hand" pitchFamily="34" charset="-120"/>
-              </a:rPr>
-              <a:t>BGM</a:t>
-            </a:r>
-            <a:r>
-              <a:rPr lang="ko-KR" altLang="en-US" dirty="0">
-                <a:solidFill>
-                  <a:srgbClr val="383838"/>
-                </a:solidFill>
-                <a:latin typeface="+mn-ea"/>
-                <a:cs typeface="Patrick Hand" pitchFamily="34" charset="-120"/>
-              </a:rPr>
-              <a:t>이 씬 전환 시 끊어지는 현상 발생</a:t>
-            </a:r>
-            <a:endParaRPr lang="en-US" altLang="ko-KR" dirty="0">
-              <a:solidFill>
-                <a:srgbClr val="383838"/>
-              </a:solidFill>
-              <a:latin typeface="+mn-ea"/>
-              <a:cs typeface="Patrick Hand" pitchFamily="34" charset="-120"/>
-            </a:endParaRPr>
-          </a:p>
-          <a:p>
-            <a:pPr marL="342900" indent="-342900">
-              <a:lnSpc>
-                <a:spcPct val="200000"/>
-              </a:lnSpc>
-              <a:buSzPct val="100000"/>
-              <a:buChar char="•"/>
-            </a:pPr>
-            <a:r>
-              <a:rPr lang="ko-KR" altLang="en-US" dirty="0">
-                <a:solidFill>
-                  <a:srgbClr val="383838"/>
-                </a:solidFill>
-                <a:latin typeface="+mn-ea"/>
-                <a:cs typeface="Patrick Hand" pitchFamily="34" charset="-120"/>
-              </a:rPr>
-              <a:t>해결 방법</a:t>
-            </a:r>
-            <a:r>
-              <a:rPr lang="en-US" altLang="ko-KR" dirty="0">
-                <a:solidFill>
-                  <a:srgbClr val="383838"/>
-                </a:solidFill>
-                <a:latin typeface="+mn-ea"/>
-                <a:cs typeface="Patrick Hand" pitchFamily="34" charset="-120"/>
-              </a:rPr>
-              <a:t>:</a:t>
-            </a:r>
-            <a:br>
-              <a:rPr lang="en-US" altLang="ko-KR" dirty="0">
-                <a:solidFill>
-                  <a:srgbClr val="383838"/>
-                </a:solidFill>
-                <a:latin typeface="+mn-ea"/>
-                <a:cs typeface="Patrick Hand" pitchFamily="34" charset="-120"/>
-              </a:rPr>
-            </a:br>
-            <a:r>
-              <a:rPr lang="ko-KR" altLang="en-US" dirty="0">
-                <a:solidFill>
-                  <a:srgbClr val="383838"/>
-                </a:solidFill>
-                <a:latin typeface="+mn-ea"/>
-                <a:cs typeface="Patrick Hand" pitchFamily="34" charset="-120"/>
-              </a:rPr>
-              <a:t>→ </a:t>
-            </a:r>
-            <a:r>
-              <a:rPr lang="en-US" altLang="ko-KR" dirty="0" err="1">
-                <a:solidFill>
-                  <a:srgbClr val="383838"/>
-                </a:solidFill>
-                <a:latin typeface="+mn-ea"/>
-                <a:cs typeface="Patrick Hand" pitchFamily="34" charset="-120"/>
-              </a:rPr>
-              <a:t>GameManager</a:t>
-            </a:r>
-            <a:r>
-              <a:rPr lang="en-US" altLang="ko-KR" dirty="0">
-                <a:solidFill>
-                  <a:srgbClr val="383838"/>
-                </a:solidFill>
-                <a:latin typeface="+mn-ea"/>
-                <a:cs typeface="Patrick Hand" pitchFamily="34" charset="-120"/>
-              </a:rPr>
-              <a:t> </a:t>
-            </a:r>
-            <a:r>
-              <a:rPr lang="ko-KR" altLang="en-US" dirty="0">
-                <a:solidFill>
-                  <a:srgbClr val="383838"/>
-                </a:solidFill>
-                <a:latin typeface="+mn-ea"/>
-                <a:cs typeface="Patrick Hand" pitchFamily="34" charset="-120"/>
-              </a:rPr>
-              <a:t>최초 생성 시</a:t>
-            </a:r>
-            <a:r>
-              <a:rPr lang="en-US" altLang="ko-KR" dirty="0">
-                <a:solidFill>
-                  <a:srgbClr val="383838"/>
-                </a:solidFill>
-                <a:latin typeface="+mn-ea"/>
-                <a:cs typeface="Patrick Hand" pitchFamily="34" charset="-120"/>
-              </a:rPr>
-              <a:t>, </a:t>
-            </a:r>
-            <a:r>
-              <a:rPr lang="en-US" altLang="ko-KR" dirty="0" err="1">
-                <a:latin typeface="+mn-ea"/>
-              </a:rPr>
-              <a:t>DontDestroyOnLoad</a:t>
-            </a:r>
-            <a:r>
-              <a:rPr lang="ko-KR" altLang="en-US" dirty="0">
-                <a:latin typeface="+mn-ea"/>
-              </a:rPr>
-              <a:t>로 지정</a:t>
-            </a:r>
-            <a:br>
-              <a:rPr lang="en-US" altLang="ko-KR" dirty="0">
-                <a:solidFill>
-                  <a:srgbClr val="383838"/>
-                </a:solidFill>
-                <a:latin typeface="+mn-ea"/>
-                <a:cs typeface="Patrick Hand" pitchFamily="34" charset="-120"/>
-              </a:rPr>
-            </a:br>
-            <a:r>
-              <a:rPr lang="ko-KR" altLang="en-US" dirty="0">
-                <a:solidFill>
-                  <a:srgbClr val="383838"/>
-                </a:solidFill>
-                <a:latin typeface="+mn-ea"/>
-                <a:cs typeface="Patrick Hand" pitchFamily="34" charset="-120"/>
-              </a:rPr>
-              <a:t>→ </a:t>
-            </a:r>
-            <a:r>
-              <a:rPr lang="ko-KR" altLang="en-US" dirty="0"/>
-              <a:t>새 </a:t>
-            </a:r>
-            <a:r>
-              <a:rPr lang="ko-KR" altLang="en-US" dirty="0" err="1"/>
-              <a:t>씬에서</a:t>
-            </a:r>
-            <a:r>
-              <a:rPr lang="ko-KR" altLang="en-US" dirty="0"/>
-              <a:t> 생성된 </a:t>
-            </a:r>
-            <a:r>
-              <a:rPr lang="en-US" altLang="ko-KR" dirty="0" err="1"/>
-              <a:t>GameManager</a:t>
-            </a:r>
-            <a:r>
-              <a:rPr lang="ko-KR" altLang="en-US" dirty="0"/>
-              <a:t>의 설정 값을</a:t>
-            </a:r>
-            <a:br>
-              <a:rPr lang="en-US" altLang="ko-KR" dirty="0"/>
-            </a:br>
-            <a:r>
-              <a:rPr lang="ko-KR" altLang="en-US" dirty="0">
-                <a:solidFill>
-                  <a:srgbClr val="383838"/>
-                </a:solidFill>
-                <a:latin typeface="+mn-ea"/>
-              </a:rPr>
-              <a:t>　</a:t>
-            </a:r>
-            <a:r>
-              <a:rPr lang="ko-KR" altLang="en-US" dirty="0">
-                <a:solidFill>
-                  <a:srgbClr val="383838"/>
-                </a:solidFill>
-                <a:latin typeface="+mn-ea"/>
-                <a:cs typeface="Patrick Hand" pitchFamily="34" charset="-120"/>
-              </a:rPr>
-              <a:t> </a:t>
-            </a:r>
-            <a:r>
-              <a:rPr lang="ko-KR" altLang="en-US" dirty="0"/>
-              <a:t>기존 </a:t>
-            </a:r>
-            <a:r>
-              <a:rPr lang="en-US" altLang="ko-KR" dirty="0" err="1"/>
-              <a:t>GameManager</a:t>
-            </a:r>
-            <a:r>
-              <a:rPr lang="ko-KR" altLang="en-US" dirty="0"/>
-              <a:t>에 복사한 후</a:t>
-            </a:r>
-            <a:r>
-              <a:rPr lang="en-US" altLang="ko-KR" dirty="0"/>
-              <a:t>, </a:t>
-            </a:r>
-            <a:r>
-              <a:rPr lang="ko-KR" altLang="en-US" dirty="0"/>
-              <a:t>새 </a:t>
-            </a:r>
-            <a:r>
-              <a:rPr lang="en-US" altLang="ko-KR" dirty="0" err="1"/>
-              <a:t>GameManager</a:t>
-            </a:r>
-            <a:r>
-              <a:rPr lang="ko-KR" altLang="en-US" dirty="0"/>
-              <a:t>는 삭제</a:t>
-            </a:r>
-            <a:br>
-              <a:rPr lang="en-US" altLang="ko-KR" dirty="0">
-                <a:solidFill>
-                  <a:srgbClr val="383838"/>
-                </a:solidFill>
-                <a:latin typeface="+mn-ea"/>
-                <a:cs typeface="Patrick Hand" pitchFamily="34" charset="-120"/>
-              </a:rPr>
-            </a:br>
-            <a:r>
-              <a:rPr lang="ko-KR" altLang="en-US" dirty="0">
-                <a:solidFill>
-                  <a:srgbClr val="383838"/>
-                </a:solidFill>
-                <a:latin typeface="+mn-ea"/>
-                <a:cs typeface="Patrick Hand" pitchFamily="34" charset="-120"/>
-              </a:rPr>
-              <a:t>　 </a:t>
-            </a:r>
-            <a:endParaRPr lang="en-US" altLang="ko-KR" dirty="0">
-              <a:solidFill>
-                <a:srgbClr val="383838"/>
-              </a:solidFill>
-              <a:latin typeface="+mn-ea"/>
-              <a:cs typeface="Patrick Hand" pitchFamily="34" charset="-120"/>
-            </a:endParaRPr>
-          </a:p>
-          <a:p>
-            <a:pPr marL="342900" indent="-342900" algn="l">
-              <a:lnSpc>
-                <a:spcPct val="200000"/>
-              </a:lnSpc>
-              <a:buSzPct val="100000"/>
-              <a:buChar char="•"/>
-            </a:pPr>
-            <a:endParaRPr lang="en-US" dirty="0">
-              <a:latin typeface="+mn-ea"/>
-            </a:endParaRPr>
-          </a:p>
-        </p:txBody>
-      </p:sp>
-      <p:pic>
-        <p:nvPicPr>
-          <p:cNvPr id="5" name="그림 4" descr="블랙, 어둠이(가) 표시된 사진&#10;&#10;AI 생성 콘텐츠는 정확하지 않을 수 있습니다.">
-            <a:extLst>
-              <a:ext uri="{FF2B5EF4-FFF2-40B4-BE49-F238E27FC236}">
-                <a16:creationId xmlns:a16="http://schemas.microsoft.com/office/drawing/2014/main" id="{F4D157C2-8B94-960B-9B71-FFDCD4AFF2BF}"/>
-              </a:ext>
-            </a:extLst>
-          </p:cNvPr>
-          <p:cNvPicPr>
-            <a:picLocks noChangeAspect="1"/>
-          </p:cNvPicPr>
-          <p:nvPr/>
-        </p:nvPicPr>
-        <p:blipFill>
-          <a:blip r:embed="rId3"/>
-          <a:stretch>
-            <a:fillRect/>
-          </a:stretch>
-        </p:blipFill>
-        <p:spPr>
-          <a:xfrm>
-            <a:off x="207267" y="2065858"/>
-            <a:ext cx="6081269" cy="4396416"/>
-          </a:xfrm>
-          <a:prstGeom prst="rect">
-            <a:avLst/>
-          </a:prstGeom>
-        </p:spPr>
-      </p:pic>
-    </p:spTree>
-    <p:extLst>
-      <p:ext uri="{BB962C8B-B14F-4D97-AF65-F5344CB8AC3E}">
-        <p14:creationId xmlns:p14="http://schemas.microsoft.com/office/powerpoint/2010/main" val="3641272992"/>
-      </p:ext>
-    </p:extLst>
-  </p:cSld>
-  <p:clrMapOvr>
-    <a:masterClrMapping/>
-  </p:clrMapOvr>
-  <p:timing>
-    <p:tnLst>
-      <p:par>
-        <p:cTn id="1" dur="indefinite" restart="never" nodeType="tmRoot">
-          <p:childTnLst>
-            <p:seq concurrent="1" nextAc="seek">
-              <p:cTn id="2" dur="indefinite" nodeType="mainSeq">
-                <p:childTnLst>
-                  <p:par>
-                    <p:cTn id="3" fill="hold">
-                      <p:stCondLst>
-                        <p:cond delay="indefinite"/>
-                      </p:stCondLst>
-                      <p:childTnLst>
-                        <p:par>
-                          <p:cTn id="4" fill="hold">
-                            <p:stCondLst>
-                              <p:cond delay="0"/>
-                            </p:stCondLst>
-                            <p:childTnLst>
-                              <p:par>
-                                <p:cTn id="5" presetID="1" presetClass="entr" presetSubtype="0" fill="hold" grpId="0" nodeType="clickEffect">
-                                  <p:stCondLst>
-                                    <p:cond delay="0"/>
-                                  </p:stCondLst>
-                                  <p:childTnLst>
-                                    <p:set>
-                                      <p:cBhvr>
-                                        <p:cTn id="6" dur="1" fill="hold">
-                                          <p:stCondLst>
-                                            <p:cond delay="0"/>
-                                          </p:stCondLst>
-                                        </p:cTn>
-                                        <p:tgtEl>
-                                          <p:spTgt spid="4"/>
-                                        </p:tgtEl>
-                                        <p:attrNameLst>
-                                          <p:attrName>style.visibility</p:attrName>
-                                        </p:attrNameLst>
-                                      </p:cBhvr>
-                                      <p:to>
-                                        <p:strVal val="visible"/>
-                                      </p:to>
-                                    </p:set>
-                                  </p:childTnLst>
-                                </p:cTn>
-                              </p:par>
-                              <p:par>
-                                <p:cTn id="7" presetID="1" presetClass="entr" presetSubtype="0" fill="hold" grpId="0" nodeType="withEffect">
-                                  <p:stCondLst>
-                                    <p:cond delay="0"/>
-                                  </p:stCondLst>
-                                  <p:childTnLst>
-                                    <p:set>
-                                      <p:cBhvr>
-                                        <p:cTn id="8" dur="1" fill="hold">
-                                          <p:stCondLst>
-                                            <p:cond delay="0"/>
-                                          </p:stCondLst>
-                                        </p:cTn>
-                                        <p:tgtEl>
-                                          <p:spTgt spid="15"/>
-                                        </p:tgtEl>
-                                        <p:attrNameLst>
-                                          <p:attrName>style.visibility</p:attrName>
-                                        </p:attrNameLst>
-                                      </p:cBhvr>
-                                      <p:to>
-                                        <p:strVal val="visible"/>
-                                      </p:to>
-                                    </p:set>
-                                  </p:childTnLst>
-                                </p:cTn>
-                              </p:par>
-                            </p:childTnLst>
-                          </p:cTn>
-                        </p:par>
-                      </p:childTnLst>
-                    </p:cTn>
-                  </p:par>
-                </p:childTnLst>
-              </p:cTn>
-              <p:prevCondLst>
-                <p:cond evt="onPrev" delay="0">
-                  <p:tgtEl>
-                    <p:sldTgt/>
-                  </p:tgtEl>
-                </p:cond>
-              </p:prevCondLst>
-              <p:nextCondLst>
-                <p:cond evt="onNext" delay="0">
-                  <p:tgtEl>
-                    <p:sldTgt/>
-                  </p:tgtEl>
-                </p:cond>
-              </p:nextCondLst>
-            </p:seq>
-          </p:childTnLst>
-        </p:cTn>
-      </p:par>
-    </p:tnLst>
-    <p:bldLst>
-      <p:bldP spid="4" grpId="0" animBg="1"/>
-      <p:bldP spid="15" grpId="0" animBg="1"/>
     </p:bldLst>
   </p:timing>
 </p:sld>
